--- a/docs/fig.pptx
+++ b/docs/fig.pptx
@@ -8,6 +8,7 @@
     <p:sldId id="256" r:id="rId2"/>
     <p:sldId id="257" r:id="rId3"/>
     <p:sldId id="258" r:id="rId4"/>
+    <p:sldId id="259" r:id="rId5"/>
   </p:sldIdLst>
   <p:sldSz cx="12192000" cy="6858000"/>
   <p:notesSz cx="6858000" cy="9144000"/>
@@ -106,6 +107,11 @@
       </a:defRPr>
     </a:lvl9pPr>
   </p:defaultTextStyle>
+  <p:extLst>
+    <p:ext uri="{EFAFB233-063F-42B5-8137-9DF3F51BA10A}">
+      <p15:sldGuideLst xmlns:p15="http://schemas.microsoft.com/office/powerpoint/2012/main"/>
+    </p:ext>
+  </p:extLst>
 </p:presentation>
 </file>
 
@@ -256,7 +262,7 @@
           <a:p>
             <a:fld id="{2F786968-31F6-4A39-9166-54406386AADC}" type="datetimeFigureOut">
               <a:rPr lang="zh-CN" altLang="en-US" smtClean="0"/>
-              <a:t>2023/11/8</a:t>
+              <a:t>2023/11/14</a:t>
             </a:fld>
             <a:endParaRPr lang="zh-CN" altLang="en-US"/>
           </a:p>
@@ -454,7 +460,7 @@
           <a:p>
             <a:fld id="{2F786968-31F6-4A39-9166-54406386AADC}" type="datetimeFigureOut">
               <a:rPr lang="zh-CN" altLang="en-US" smtClean="0"/>
-              <a:t>2023/11/8</a:t>
+              <a:t>2023/11/14</a:t>
             </a:fld>
             <a:endParaRPr lang="zh-CN" altLang="en-US"/>
           </a:p>
@@ -662,7 +668,7 @@
           <a:p>
             <a:fld id="{2F786968-31F6-4A39-9166-54406386AADC}" type="datetimeFigureOut">
               <a:rPr lang="zh-CN" altLang="en-US" smtClean="0"/>
-              <a:t>2023/11/8</a:t>
+              <a:t>2023/11/14</a:t>
             </a:fld>
             <a:endParaRPr lang="zh-CN" altLang="en-US"/>
           </a:p>
@@ -860,7 +866,7 @@
           <a:p>
             <a:fld id="{2F786968-31F6-4A39-9166-54406386AADC}" type="datetimeFigureOut">
               <a:rPr lang="zh-CN" altLang="en-US" smtClean="0"/>
-              <a:t>2023/11/8</a:t>
+              <a:t>2023/11/14</a:t>
             </a:fld>
             <a:endParaRPr lang="zh-CN" altLang="en-US"/>
           </a:p>
@@ -1135,7 +1141,7 @@
           <a:p>
             <a:fld id="{2F786968-31F6-4A39-9166-54406386AADC}" type="datetimeFigureOut">
               <a:rPr lang="zh-CN" altLang="en-US" smtClean="0"/>
-              <a:t>2023/11/8</a:t>
+              <a:t>2023/11/14</a:t>
             </a:fld>
             <a:endParaRPr lang="zh-CN" altLang="en-US"/>
           </a:p>
@@ -1400,7 +1406,7 @@
           <a:p>
             <a:fld id="{2F786968-31F6-4A39-9166-54406386AADC}" type="datetimeFigureOut">
               <a:rPr lang="zh-CN" altLang="en-US" smtClean="0"/>
-              <a:t>2023/11/8</a:t>
+              <a:t>2023/11/14</a:t>
             </a:fld>
             <a:endParaRPr lang="zh-CN" altLang="en-US"/>
           </a:p>
@@ -1812,7 +1818,7 @@
           <a:p>
             <a:fld id="{2F786968-31F6-4A39-9166-54406386AADC}" type="datetimeFigureOut">
               <a:rPr lang="zh-CN" altLang="en-US" smtClean="0"/>
-              <a:t>2023/11/8</a:t>
+              <a:t>2023/11/14</a:t>
             </a:fld>
             <a:endParaRPr lang="zh-CN" altLang="en-US"/>
           </a:p>
@@ -1953,7 +1959,7 @@
           <a:p>
             <a:fld id="{2F786968-31F6-4A39-9166-54406386AADC}" type="datetimeFigureOut">
               <a:rPr lang="zh-CN" altLang="en-US" smtClean="0"/>
-              <a:t>2023/11/8</a:t>
+              <a:t>2023/11/14</a:t>
             </a:fld>
             <a:endParaRPr lang="zh-CN" altLang="en-US"/>
           </a:p>
@@ -2066,7 +2072,7 @@
           <a:p>
             <a:fld id="{2F786968-31F6-4A39-9166-54406386AADC}" type="datetimeFigureOut">
               <a:rPr lang="zh-CN" altLang="en-US" smtClean="0"/>
-              <a:t>2023/11/8</a:t>
+              <a:t>2023/11/14</a:t>
             </a:fld>
             <a:endParaRPr lang="zh-CN" altLang="en-US"/>
           </a:p>
@@ -2377,7 +2383,7 @@
           <a:p>
             <a:fld id="{2F786968-31F6-4A39-9166-54406386AADC}" type="datetimeFigureOut">
               <a:rPr lang="zh-CN" altLang="en-US" smtClean="0"/>
-              <a:t>2023/11/8</a:t>
+              <a:t>2023/11/14</a:t>
             </a:fld>
             <a:endParaRPr lang="zh-CN" altLang="en-US"/>
           </a:p>
@@ -2665,7 +2671,7 @@
           <a:p>
             <a:fld id="{2F786968-31F6-4A39-9166-54406386AADC}" type="datetimeFigureOut">
               <a:rPr lang="zh-CN" altLang="en-US" smtClean="0"/>
-              <a:t>2023/11/8</a:t>
+              <a:t>2023/11/14</a:t>
             </a:fld>
             <a:endParaRPr lang="zh-CN" altLang="en-US"/>
           </a:p>
@@ -2906,7 +2912,7 @@
           <a:p>
             <a:fld id="{2F786968-31F6-4A39-9166-54406386AADC}" type="datetimeFigureOut">
               <a:rPr lang="zh-CN" altLang="en-US" smtClean="0"/>
-              <a:t>2023/11/8</a:t>
+              <a:t>2023/11/14</a:t>
             </a:fld>
             <a:endParaRPr lang="zh-CN" altLang="en-US"/>
           </a:p>
@@ -3417,7 +3423,7 @@
         </p:nvSpPr>
         <p:spPr>
           <a:xfrm>
-            <a:off x="2237042" y="2653128"/>
+            <a:off x="874773" y="1477471"/>
             <a:ext cx="407045" cy="609685"/>
           </a:xfrm>
           <a:custGeom>
@@ -4221,7 +4227,7 @@
         </p:nvSpPr>
         <p:spPr>
           <a:xfrm>
-            <a:off x="3012057" y="2699105"/>
+            <a:off x="1649788" y="1523448"/>
             <a:ext cx="609685" cy="608764"/>
           </a:xfrm>
           <a:custGeom>
@@ -6696,7 +6702,7 @@
         </p:nvSpPr>
         <p:spPr>
           <a:xfrm>
-            <a:off x="4258263" y="1651519"/>
+            <a:off x="2895994" y="475862"/>
             <a:ext cx="2780522" cy="1922106"/>
           </a:xfrm>
           <a:prstGeom prst="flowChartProcess">
@@ -6746,7 +6752,7 @@
         </p:nvSpPr>
         <p:spPr>
           <a:xfrm>
-            <a:off x="5016366" y="2158440"/>
+            <a:off x="3654097" y="982783"/>
             <a:ext cx="1841634" cy="1278294"/>
           </a:xfrm>
           <a:prstGeom prst="roundRect">
@@ -6796,7 +6802,7 @@
         </p:nvSpPr>
         <p:spPr>
           <a:xfrm>
-            <a:off x="5514392" y="2797587"/>
+            <a:off x="4152123" y="1621930"/>
             <a:ext cx="1013533" cy="343634"/>
           </a:xfrm>
           <a:prstGeom prst="flowChartProcess">
@@ -6846,7 +6852,7 @@
         </p:nvSpPr>
         <p:spPr>
           <a:xfrm rot="10800000">
-            <a:off x="3941902" y="2882355"/>
+            <a:off x="2579633" y="1706698"/>
             <a:ext cx="1690285" cy="242263"/>
           </a:xfrm>
           <a:prstGeom prst="rightArrow">
@@ -6922,7 +6928,7 @@
         </p:nvSpPr>
         <p:spPr>
           <a:xfrm>
-            <a:off x="2237042" y="2653128"/>
+            <a:off x="370920" y="2177267"/>
             <a:ext cx="407045" cy="609685"/>
           </a:xfrm>
           <a:custGeom>
@@ -7726,7 +7732,7 @@
         </p:nvSpPr>
         <p:spPr>
           <a:xfrm>
-            <a:off x="3012057" y="2699105"/>
+            <a:off x="1145935" y="2223244"/>
             <a:ext cx="609685" cy="608764"/>
           </a:xfrm>
           <a:custGeom>
@@ -10201,7 +10207,7 @@
         </p:nvSpPr>
         <p:spPr>
           <a:xfrm>
-            <a:off x="4975547" y="2228809"/>
+            <a:off x="3109425" y="1752948"/>
             <a:ext cx="2162371" cy="1306217"/>
           </a:xfrm>
           <a:prstGeom prst="flowChartProcess">
@@ -10250,7 +10256,7 @@
         </p:nvSpPr>
         <p:spPr>
           <a:xfrm>
-            <a:off x="5296283" y="653360"/>
+            <a:off x="3430161" y="177499"/>
             <a:ext cx="1841634" cy="1278294"/>
           </a:xfrm>
           <a:prstGeom prst="roundRect">
@@ -10300,7 +10306,7 @@
         </p:nvSpPr>
         <p:spPr>
           <a:xfrm>
-            <a:off x="5710333" y="1292507"/>
+            <a:off x="3844211" y="816646"/>
             <a:ext cx="1013533" cy="343634"/>
           </a:xfrm>
           <a:prstGeom prst="flowChartProcess">
@@ -10350,7 +10356,7 @@
         </p:nvSpPr>
         <p:spPr>
           <a:xfrm rot="5400000">
-            <a:off x="5748049" y="2112774"/>
+            <a:off x="3881927" y="1636913"/>
             <a:ext cx="1195527" cy="242263"/>
           </a:xfrm>
           <a:prstGeom prst="rightArrow">
@@ -10396,7 +10402,7 @@
         </p:nvSpPr>
         <p:spPr>
           <a:xfrm>
-            <a:off x="5697501" y="2823871"/>
+            <a:off x="3831379" y="2348010"/>
             <a:ext cx="1184992" cy="438942"/>
           </a:xfrm>
           <a:prstGeom prst="flowChartProcess">
@@ -10446,7 +10452,7 @@
         </p:nvSpPr>
         <p:spPr>
           <a:xfrm rot="10800000">
-            <a:off x="3941901" y="2882354"/>
+            <a:off x="2075779" y="2406493"/>
             <a:ext cx="1841632" cy="242263"/>
           </a:xfrm>
           <a:prstGeom prst="rightArrow">
@@ -10482,6 +10488,1462 @@
     <p:extLst>
       <p:ext uri="{BB962C8B-B14F-4D97-AF65-F5344CB8AC3E}">
         <p14:creationId xmlns:p14="http://schemas.microsoft.com/office/powerpoint/2010/main" val="3336880430"/>
+      </p:ext>
+    </p:extLst>
+  </p:cSld>
+  <p:clrMapOvr>
+    <a:masterClrMapping/>
+  </p:clrMapOvr>
+</p:sld>
+</file>
+
+<file path=ppt/slides/slide4.xml><?xml version="1.0" encoding="utf-8"?>
+<p:sld xmlns:a="http://schemas.openxmlformats.org/drawingml/2006/main" xmlns:r="http://schemas.openxmlformats.org/officeDocument/2006/relationships" xmlns:p="http://schemas.openxmlformats.org/presentationml/2006/main">
+  <p:cSld>
+    <p:spTree>
+      <p:nvGrpSpPr>
+        <p:cNvPr id="1" name=""/>
+        <p:cNvGrpSpPr/>
+        <p:nvPr/>
+      </p:nvGrpSpPr>
+      <p:grpSpPr>
+        <a:xfrm>
+          <a:off x="0" y="0"/>
+          <a:ext cx="0" cy="0"/>
+          <a:chOff x="0" y="0"/>
+          <a:chExt cx="0" cy="0"/>
+        </a:xfrm>
+      </p:grpSpPr>
+      <p:pic>
+        <p:nvPicPr>
+          <p:cNvPr id="1026" name="Picture 2" descr="区块链前沿| 首页">
+            <a:extLst>
+              <a:ext uri="{FF2B5EF4-FFF2-40B4-BE49-F238E27FC236}">
+                <a16:creationId xmlns:a16="http://schemas.microsoft.com/office/drawing/2014/main" id="{63EB06E3-6559-C8B2-C636-9132D3B41C34}"/>
+              </a:ext>
+            </a:extLst>
+          </p:cNvPr>
+          <p:cNvPicPr>
+            <a:picLocks noChangeAspect="1" noChangeArrowheads="1"/>
+          </p:cNvPicPr>
+          <p:nvPr/>
+        </p:nvPicPr>
+        <p:blipFill>
+          <a:blip r:embed="rId2">
+            <a:extLst>
+              <a:ext uri="{28A0092B-C50C-407E-A947-70E740481C1C}">
+                <a14:useLocalDpi xmlns:a14="http://schemas.microsoft.com/office/drawing/2010/main" val="0"/>
+              </a:ext>
+            </a:extLst>
+          </a:blip>
+          <a:srcRect/>
+          <a:stretch>
+            <a:fillRect/>
+          </a:stretch>
+        </p:blipFill>
+        <p:spPr bwMode="auto">
+          <a:xfrm>
+            <a:off x="377190" y="1406843"/>
+            <a:ext cx="3560588" cy="3530917"/>
+          </a:xfrm>
+          <a:prstGeom prst="rect">
+            <a:avLst/>
+          </a:prstGeom>
+          <a:noFill/>
+          <a:extLst>
+            <a:ext uri="{909E8E84-426E-40DD-AFC4-6F175D3DCCD1}">
+              <a14:hiddenFill xmlns:a14="http://schemas.microsoft.com/office/drawing/2010/main">
+                <a:solidFill>
+                  <a:srgbClr val="FFFFFF"/>
+                </a:solidFill>
+              </a14:hiddenFill>
+            </a:ext>
+          </a:extLst>
+        </p:spPr>
+      </p:pic>
+      <p:sp>
+        <p:nvSpPr>
+          <p:cNvPr id="4" name="user-with-a-hat_72676">
+            <a:extLst>
+              <a:ext uri="{FF2B5EF4-FFF2-40B4-BE49-F238E27FC236}">
+                <a16:creationId xmlns:a16="http://schemas.microsoft.com/office/drawing/2014/main" id="{4BC1FE21-EA51-FDC5-CD6F-DE8A3A2FB3F1}"/>
+              </a:ext>
+            </a:extLst>
+          </p:cNvPr>
+          <p:cNvSpPr/>
+          <p:nvPr/>
+        </p:nvSpPr>
+        <p:spPr>
+          <a:xfrm>
+            <a:off x="8469491" y="3733841"/>
+            <a:ext cx="468628" cy="609685"/>
+          </a:xfrm>
+          <a:custGeom>
+            <a:avLst/>
+            <a:gdLst>
+              <a:gd name="connsiteX0" fmla="*/ 129679 w 463801"/>
+              <a:gd name="connsiteY0" fmla="*/ 320508 h 603405"/>
+              <a:gd name="connsiteX1" fmla="*/ 231960 w 463801"/>
+              <a:gd name="connsiteY1" fmla="*/ 373007 h 603405"/>
+              <a:gd name="connsiteX2" fmla="*/ 334123 w 463801"/>
+              <a:gd name="connsiteY2" fmla="*/ 320508 h 603405"/>
+              <a:gd name="connsiteX3" fmla="*/ 356587 w 463801"/>
+              <a:gd name="connsiteY3" fmla="*/ 330292 h 603405"/>
+              <a:gd name="connsiteX4" fmla="*/ 413224 w 463801"/>
+              <a:gd name="connsiteY4" fmla="*/ 354036 h 603405"/>
+              <a:gd name="connsiteX5" fmla="*/ 454806 w 463801"/>
+              <a:gd name="connsiteY5" fmla="*/ 455573 h 603405"/>
+              <a:gd name="connsiteX6" fmla="*/ 463767 w 463801"/>
+              <a:gd name="connsiteY6" fmla="*/ 537185 h 603405"/>
+              <a:gd name="connsiteX7" fmla="*/ 436285 w 463801"/>
+              <a:gd name="connsiteY7" fmla="*/ 567730 h 603405"/>
+              <a:gd name="connsiteX8" fmla="*/ 368177 w 463801"/>
+              <a:gd name="connsiteY8" fmla="*/ 586582 h 603405"/>
+              <a:gd name="connsiteX9" fmla="*/ 231960 w 463801"/>
+              <a:gd name="connsiteY9" fmla="*/ 603405 h 603405"/>
+              <a:gd name="connsiteX10" fmla="*/ 95744 w 463801"/>
+              <a:gd name="connsiteY10" fmla="*/ 586582 h 603405"/>
+              <a:gd name="connsiteX11" fmla="*/ 27516 w 463801"/>
+              <a:gd name="connsiteY11" fmla="*/ 567730 h 603405"/>
+              <a:gd name="connsiteX12" fmla="*/ 34 w 463801"/>
+              <a:gd name="connsiteY12" fmla="*/ 537185 h 603405"/>
+              <a:gd name="connsiteX13" fmla="*/ 8995 w 463801"/>
+              <a:gd name="connsiteY13" fmla="*/ 455573 h 603405"/>
+              <a:gd name="connsiteX14" fmla="*/ 50578 w 463801"/>
+              <a:gd name="connsiteY14" fmla="*/ 354036 h 603405"/>
+              <a:gd name="connsiteX15" fmla="*/ 107334 w 463801"/>
+              <a:gd name="connsiteY15" fmla="*/ 330292 h 603405"/>
+              <a:gd name="connsiteX16" fmla="*/ 129679 w 463801"/>
+              <a:gd name="connsiteY16" fmla="*/ 320508 h 603405"/>
+              <a:gd name="connsiteX17" fmla="*/ 168396 w 463801"/>
+              <a:gd name="connsiteY17" fmla="*/ 0 h 603405"/>
+              <a:gd name="connsiteX18" fmla="*/ 295428 w 463801"/>
+              <a:gd name="connsiteY18" fmla="*/ 0 h 603405"/>
+              <a:gd name="connsiteX19" fmla="*/ 367966 w 463801"/>
+              <a:gd name="connsiteY19" fmla="*/ 72423 h 603405"/>
+              <a:gd name="connsiteX20" fmla="*/ 367966 w 463801"/>
+              <a:gd name="connsiteY20" fmla="*/ 123609 h 603405"/>
+              <a:gd name="connsiteX21" fmla="*/ 401307 w 463801"/>
+              <a:gd name="connsiteY21" fmla="*/ 123609 h 603405"/>
+              <a:gd name="connsiteX22" fmla="*/ 416006 w 463801"/>
+              <a:gd name="connsiteY22" fmla="*/ 138285 h 603405"/>
+              <a:gd name="connsiteX23" fmla="*/ 416006 w 463801"/>
+              <a:gd name="connsiteY23" fmla="*/ 159522 h 603405"/>
+              <a:gd name="connsiteX24" fmla="*/ 401307 w 463801"/>
+              <a:gd name="connsiteY24" fmla="*/ 174198 h 603405"/>
+              <a:gd name="connsiteX25" fmla="*/ 348726 w 463801"/>
+              <a:gd name="connsiteY25" fmla="*/ 174198 h 603405"/>
+              <a:gd name="connsiteX26" fmla="*/ 347412 w 463801"/>
+              <a:gd name="connsiteY26" fmla="*/ 201163 h 603405"/>
+              <a:gd name="connsiteX27" fmla="*/ 231972 w 463801"/>
+              <a:gd name="connsiteY27" fmla="*/ 345771 h 603405"/>
+              <a:gd name="connsiteX28" fmla="*/ 116532 w 463801"/>
+              <a:gd name="connsiteY28" fmla="*/ 201163 h 603405"/>
+              <a:gd name="connsiteX29" fmla="*/ 115217 w 463801"/>
+              <a:gd name="connsiteY29" fmla="*/ 174198 h 603405"/>
+              <a:gd name="connsiteX30" fmla="*/ 62636 w 463801"/>
+              <a:gd name="connsiteY30" fmla="*/ 174198 h 603405"/>
+              <a:gd name="connsiteX31" fmla="*/ 47937 w 463801"/>
+              <a:gd name="connsiteY31" fmla="*/ 159522 h 603405"/>
+              <a:gd name="connsiteX32" fmla="*/ 47937 w 463801"/>
+              <a:gd name="connsiteY32" fmla="*/ 138285 h 603405"/>
+              <a:gd name="connsiteX33" fmla="*/ 62636 w 463801"/>
+              <a:gd name="connsiteY33" fmla="*/ 123609 h 603405"/>
+              <a:gd name="connsiteX34" fmla="*/ 95858 w 463801"/>
+              <a:gd name="connsiteY34" fmla="*/ 123609 h 603405"/>
+              <a:gd name="connsiteX35" fmla="*/ 95858 w 463801"/>
+              <a:gd name="connsiteY35" fmla="*/ 72423 h 603405"/>
+              <a:gd name="connsiteX36" fmla="*/ 168396 w 463801"/>
+              <a:gd name="connsiteY36" fmla="*/ 0 h 603405"/>
+            </a:gdLst>
+            <a:ahLst/>
+            <a:cxnLst>
+              <a:cxn ang="0">
+                <a:pos x="connsiteX0" y="connsiteY0"/>
+              </a:cxn>
+              <a:cxn ang="0">
+                <a:pos x="connsiteX1" y="connsiteY1"/>
+              </a:cxn>
+              <a:cxn ang="0">
+                <a:pos x="connsiteX2" y="connsiteY2"/>
+              </a:cxn>
+              <a:cxn ang="0">
+                <a:pos x="connsiteX3" y="connsiteY3"/>
+              </a:cxn>
+              <a:cxn ang="0">
+                <a:pos x="connsiteX4" y="connsiteY4"/>
+              </a:cxn>
+              <a:cxn ang="0">
+                <a:pos x="connsiteX5" y="connsiteY5"/>
+              </a:cxn>
+              <a:cxn ang="0">
+                <a:pos x="connsiteX6" y="connsiteY6"/>
+              </a:cxn>
+              <a:cxn ang="0">
+                <a:pos x="connsiteX7" y="connsiteY7"/>
+              </a:cxn>
+              <a:cxn ang="0">
+                <a:pos x="connsiteX8" y="connsiteY8"/>
+              </a:cxn>
+              <a:cxn ang="0">
+                <a:pos x="connsiteX9" y="connsiteY9"/>
+              </a:cxn>
+              <a:cxn ang="0">
+                <a:pos x="connsiteX10" y="connsiteY10"/>
+              </a:cxn>
+              <a:cxn ang="0">
+                <a:pos x="connsiteX11" y="connsiteY11"/>
+              </a:cxn>
+              <a:cxn ang="0">
+                <a:pos x="connsiteX12" y="connsiteY12"/>
+              </a:cxn>
+              <a:cxn ang="0">
+                <a:pos x="connsiteX13" y="connsiteY13"/>
+              </a:cxn>
+              <a:cxn ang="0">
+                <a:pos x="connsiteX14" y="connsiteY14"/>
+              </a:cxn>
+              <a:cxn ang="0">
+                <a:pos x="connsiteX15" y="connsiteY15"/>
+              </a:cxn>
+              <a:cxn ang="0">
+                <a:pos x="connsiteX16" y="connsiteY16"/>
+              </a:cxn>
+              <a:cxn ang="0">
+                <a:pos x="connsiteX17" y="connsiteY17"/>
+              </a:cxn>
+              <a:cxn ang="0">
+                <a:pos x="connsiteX18" y="connsiteY18"/>
+              </a:cxn>
+              <a:cxn ang="0">
+                <a:pos x="connsiteX19" y="connsiteY19"/>
+              </a:cxn>
+              <a:cxn ang="0">
+                <a:pos x="connsiteX20" y="connsiteY20"/>
+              </a:cxn>
+              <a:cxn ang="0">
+                <a:pos x="connsiteX21" y="connsiteY21"/>
+              </a:cxn>
+              <a:cxn ang="0">
+                <a:pos x="connsiteX22" y="connsiteY22"/>
+              </a:cxn>
+              <a:cxn ang="0">
+                <a:pos x="connsiteX23" y="connsiteY23"/>
+              </a:cxn>
+              <a:cxn ang="0">
+                <a:pos x="connsiteX24" y="connsiteY24"/>
+              </a:cxn>
+              <a:cxn ang="0">
+                <a:pos x="connsiteX25" y="connsiteY25"/>
+              </a:cxn>
+              <a:cxn ang="0">
+                <a:pos x="connsiteX26" y="connsiteY26"/>
+              </a:cxn>
+              <a:cxn ang="0">
+                <a:pos x="connsiteX27" y="connsiteY27"/>
+              </a:cxn>
+              <a:cxn ang="0">
+                <a:pos x="connsiteX28" y="connsiteY28"/>
+              </a:cxn>
+              <a:cxn ang="0">
+                <a:pos x="connsiteX29" y="connsiteY29"/>
+              </a:cxn>
+              <a:cxn ang="0">
+                <a:pos x="connsiteX30" y="connsiteY30"/>
+              </a:cxn>
+              <a:cxn ang="0">
+                <a:pos x="connsiteX31" y="connsiteY31"/>
+              </a:cxn>
+              <a:cxn ang="0">
+                <a:pos x="connsiteX32" y="connsiteY32"/>
+              </a:cxn>
+              <a:cxn ang="0">
+                <a:pos x="connsiteX33" y="connsiteY33"/>
+              </a:cxn>
+              <a:cxn ang="0">
+                <a:pos x="connsiteX34" y="connsiteY34"/>
+              </a:cxn>
+              <a:cxn ang="0">
+                <a:pos x="connsiteX35" y="connsiteY35"/>
+              </a:cxn>
+              <a:cxn ang="0">
+                <a:pos x="connsiteX36" y="connsiteY36"/>
+              </a:cxn>
+            </a:cxnLst>
+            <a:rect l="l" t="t" r="r" b="b"/>
+            <a:pathLst>
+              <a:path w="463801" h="603405">
+                <a:moveTo>
+                  <a:pt x="129679" y="320508"/>
+                </a:moveTo>
+                <a:cubicBezTo>
+                  <a:pt x="154891" y="354871"/>
+                  <a:pt x="190020" y="373007"/>
+                  <a:pt x="231960" y="373007"/>
+                </a:cubicBezTo>
+                <a:cubicBezTo>
+                  <a:pt x="273901" y="373007"/>
+                  <a:pt x="309030" y="354871"/>
+                  <a:pt x="334123" y="320508"/>
+                </a:cubicBezTo>
+                <a:cubicBezTo>
+                  <a:pt x="341053" y="323968"/>
+                  <a:pt x="348461" y="327190"/>
+                  <a:pt x="356587" y="330292"/>
+                </a:cubicBezTo>
+                <a:cubicBezTo>
+                  <a:pt x="375466" y="337689"/>
+                  <a:pt x="396735" y="341746"/>
+                  <a:pt x="413224" y="354036"/>
+                </a:cubicBezTo>
+                <a:cubicBezTo>
+                  <a:pt x="441662" y="375274"/>
+                  <a:pt x="449070" y="423000"/>
+                  <a:pt x="454806" y="455573"/>
+                </a:cubicBezTo>
+                <a:cubicBezTo>
+                  <a:pt x="459585" y="482419"/>
+                  <a:pt x="462811" y="509862"/>
+                  <a:pt x="463767" y="537185"/>
+                </a:cubicBezTo>
+                <a:cubicBezTo>
+                  <a:pt x="464484" y="558423"/>
+                  <a:pt x="454089" y="561406"/>
+                  <a:pt x="436285" y="567730"/>
+                </a:cubicBezTo>
+                <a:cubicBezTo>
+                  <a:pt x="414060" y="575724"/>
+                  <a:pt x="391238" y="581690"/>
+                  <a:pt x="368177" y="586582"/>
+                </a:cubicBezTo>
+                <a:cubicBezTo>
+                  <a:pt x="323608" y="595888"/>
+                  <a:pt x="277605" y="603166"/>
+                  <a:pt x="231960" y="603405"/>
+                </a:cubicBezTo>
+                <a:cubicBezTo>
+                  <a:pt x="186197" y="603166"/>
+                  <a:pt x="140313" y="595888"/>
+                  <a:pt x="95744" y="586582"/>
+                </a:cubicBezTo>
+                <a:cubicBezTo>
+                  <a:pt x="72683" y="581690"/>
+                  <a:pt x="49741" y="575724"/>
+                  <a:pt x="27516" y="567730"/>
+                </a:cubicBezTo>
+                <a:cubicBezTo>
+                  <a:pt x="9832" y="561406"/>
+                  <a:pt x="-683" y="558423"/>
+                  <a:pt x="34" y="537185"/>
+                </a:cubicBezTo>
+                <a:cubicBezTo>
+                  <a:pt x="990" y="509862"/>
+                  <a:pt x="4216" y="482419"/>
+                  <a:pt x="8995" y="455573"/>
+                </a:cubicBezTo>
+                <a:cubicBezTo>
+                  <a:pt x="14850" y="423000"/>
+                  <a:pt x="22139" y="375274"/>
+                  <a:pt x="50578" y="354036"/>
+                </a:cubicBezTo>
+                <a:cubicBezTo>
+                  <a:pt x="67067" y="341746"/>
+                  <a:pt x="88455" y="337689"/>
+                  <a:pt x="107334" y="330292"/>
+                </a:cubicBezTo>
+                <a:cubicBezTo>
+                  <a:pt x="115460" y="327190"/>
+                  <a:pt x="122748" y="323968"/>
+                  <a:pt x="129679" y="320508"/>
+                </a:cubicBezTo>
+                <a:close/>
+                <a:moveTo>
+                  <a:pt x="168396" y="0"/>
+                </a:moveTo>
+                <a:lnTo>
+                  <a:pt x="295428" y="0"/>
+                </a:lnTo>
+                <a:cubicBezTo>
+                  <a:pt x="335581" y="0"/>
+                  <a:pt x="367966" y="32453"/>
+                  <a:pt x="367966" y="72423"/>
+                </a:cubicBezTo>
+                <a:lnTo>
+                  <a:pt x="367966" y="123609"/>
+                </a:lnTo>
+                <a:lnTo>
+                  <a:pt x="401307" y="123609"/>
+                </a:lnTo>
+                <a:cubicBezTo>
+                  <a:pt x="409434" y="123609"/>
+                  <a:pt x="416006" y="130171"/>
+                  <a:pt x="416006" y="138285"/>
+                </a:cubicBezTo>
+                <a:lnTo>
+                  <a:pt x="416006" y="159522"/>
+                </a:lnTo>
+                <a:cubicBezTo>
+                  <a:pt x="416006" y="167636"/>
+                  <a:pt x="409434" y="174198"/>
+                  <a:pt x="401307" y="174198"/>
+                </a:cubicBezTo>
+                <a:lnTo>
+                  <a:pt x="348726" y="174198"/>
+                </a:lnTo>
+                <a:cubicBezTo>
+                  <a:pt x="348846" y="182908"/>
+                  <a:pt x="348487" y="191856"/>
+                  <a:pt x="347412" y="201163"/>
+                </a:cubicBezTo>
+                <a:cubicBezTo>
+                  <a:pt x="339883" y="266427"/>
+                  <a:pt x="311322" y="345771"/>
+                  <a:pt x="231972" y="345771"/>
+                </a:cubicBezTo>
+                <a:cubicBezTo>
+                  <a:pt x="152502" y="345771"/>
+                  <a:pt x="123941" y="266427"/>
+                  <a:pt x="116532" y="201163"/>
+                </a:cubicBezTo>
+                <a:cubicBezTo>
+                  <a:pt x="115456" y="191856"/>
+                  <a:pt x="114978" y="182908"/>
+                  <a:pt x="115217" y="174198"/>
+                </a:cubicBezTo>
+                <a:lnTo>
+                  <a:pt x="62636" y="174198"/>
+                </a:lnTo>
+                <a:cubicBezTo>
+                  <a:pt x="54510" y="174198"/>
+                  <a:pt x="47937" y="167636"/>
+                  <a:pt x="47937" y="159522"/>
+                </a:cubicBezTo>
+                <a:lnTo>
+                  <a:pt x="47937" y="138285"/>
+                </a:lnTo>
+                <a:cubicBezTo>
+                  <a:pt x="47937" y="130171"/>
+                  <a:pt x="54510" y="123609"/>
+                  <a:pt x="62636" y="123609"/>
+                </a:cubicBezTo>
+                <a:lnTo>
+                  <a:pt x="95858" y="123609"/>
+                </a:lnTo>
+                <a:lnTo>
+                  <a:pt x="95858" y="72423"/>
+                </a:lnTo>
+                <a:cubicBezTo>
+                  <a:pt x="95858" y="32453"/>
+                  <a:pt x="128363" y="0"/>
+                  <a:pt x="168396" y="0"/>
+                </a:cubicBezTo>
+                <a:close/>
+              </a:path>
+            </a:pathLst>
+          </a:custGeom>
+          <a:solidFill>
+            <a:schemeClr val="accent1"/>
+          </a:solidFill>
+          <a:ln>
+            <a:noFill/>
+          </a:ln>
+        </p:spPr>
+        <p:style>
+          <a:lnRef idx="2">
+            <a:schemeClr val="accent1">
+              <a:shade val="50000"/>
+            </a:schemeClr>
+          </a:lnRef>
+          <a:fillRef idx="1">
+            <a:schemeClr val="accent1"/>
+          </a:fillRef>
+          <a:effectRef idx="0">
+            <a:schemeClr val="accent1"/>
+          </a:effectRef>
+          <a:fontRef idx="minor">
+            <a:schemeClr val="lt1"/>
+          </a:fontRef>
+        </p:style>
+        <p:txBody>
+          <a:bodyPr rtlCol="0" anchor="ctr"/>
+          <a:lstStyle/>
+          <a:p>
+            <a:pPr algn="ctr"/>
+            <a:endParaRPr lang="en-US"/>
+          </a:p>
+        </p:txBody>
+      </p:sp>
+      <p:sp>
+        <p:nvSpPr>
+          <p:cNvPr id="6" name="iconfont-1033-827977">
+            <a:extLst>
+              <a:ext uri="{FF2B5EF4-FFF2-40B4-BE49-F238E27FC236}">
+                <a16:creationId xmlns:a16="http://schemas.microsoft.com/office/drawing/2014/main" id="{3749E2D0-8246-3FD1-0313-4D6853000F61}"/>
+              </a:ext>
+            </a:extLst>
+          </p:cNvPr>
+          <p:cNvSpPr/>
+          <p:nvPr/>
+        </p:nvSpPr>
+        <p:spPr>
+          <a:xfrm>
+            <a:off x="7731362" y="3429000"/>
+            <a:ext cx="491518" cy="609685"/>
+          </a:xfrm>
+          <a:custGeom>
+            <a:avLst/>
+            <a:gdLst>
+              <a:gd name="T0" fmla="*/ 1425 w 8908"/>
+              <a:gd name="T1" fmla="*/ 0 h 11047"/>
+              <a:gd name="T2" fmla="*/ 0 w 8908"/>
+              <a:gd name="T3" fmla="*/ 9621 h 11047"/>
+              <a:gd name="T4" fmla="*/ 4989 w 8908"/>
+              <a:gd name="T5" fmla="*/ 11047 h 11047"/>
+              <a:gd name="T6" fmla="*/ 6058 w 8908"/>
+              <a:gd name="T7" fmla="*/ 11047 h 11047"/>
+              <a:gd name="T8" fmla="*/ 8895 w 8908"/>
+              <a:gd name="T9" fmla="*/ 8196 h 11047"/>
+              <a:gd name="T10" fmla="*/ 8908 w 8908"/>
+              <a:gd name="T11" fmla="*/ 1425 h 11047"/>
+              <a:gd name="T12" fmla="*/ 5879 w 8908"/>
+              <a:gd name="T13" fmla="*/ 10334 h 11047"/>
+              <a:gd name="T14" fmla="*/ 5701 w 8908"/>
+              <a:gd name="T15" fmla="*/ 8908 h 11047"/>
+              <a:gd name="T16" fmla="*/ 6058 w 8908"/>
+              <a:gd name="T17" fmla="*/ 8196 h 11047"/>
+              <a:gd name="T18" fmla="*/ 8177 w 8908"/>
+              <a:gd name="T19" fmla="*/ 8196 h 11047"/>
+              <a:gd name="T20" fmla="*/ 8196 w 8908"/>
+              <a:gd name="T21" fmla="*/ 7483 h 11047"/>
+              <a:gd name="T22" fmla="*/ 5523 w 8908"/>
+              <a:gd name="T23" fmla="*/ 7508 h 11047"/>
+              <a:gd name="T24" fmla="*/ 4989 w 8908"/>
+              <a:gd name="T25" fmla="*/ 8018 h 11047"/>
+              <a:gd name="T26" fmla="*/ 4989 w 8908"/>
+              <a:gd name="T27" fmla="*/ 10334 h 11047"/>
+              <a:gd name="T28" fmla="*/ 712 w 8908"/>
+              <a:gd name="T29" fmla="*/ 9621 h 11047"/>
+              <a:gd name="T30" fmla="*/ 1425 w 8908"/>
+              <a:gd name="T31" fmla="*/ 712 h 11047"/>
+              <a:gd name="T32" fmla="*/ 8196 w 8908"/>
+              <a:gd name="T33" fmla="*/ 1425 h 11047"/>
+              <a:gd name="T34" fmla="*/ 3652 w 8908"/>
+              <a:gd name="T35" fmla="*/ 5701 h 11047"/>
+              <a:gd name="T36" fmla="*/ 1960 w 8908"/>
+              <a:gd name="T37" fmla="*/ 5968 h 11047"/>
+              <a:gd name="T38" fmla="*/ 3652 w 8908"/>
+              <a:gd name="T39" fmla="*/ 6236 h 11047"/>
+              <a:gd name="T40" fmla="*/ 3652 w 8908"/>
+              <a:gd name="T41" fmla="*/ 5701 h 11047"/>
+              <a:gd name="T42" fmla="*/ 4543 w 8908"/>
+              <a:gd name="T43" fmla="*/ 5701 h 11047"/>
+              <a:gd name="T44" fmla="*/ 4543 w 8908"/>
+              <a:gd name="T45" fmla="*/ 6236 h 11047"/>
+              <a:gd name="T46" fmla="*/ 4989 w 8908"/>
+              <a:gd name="T47" fmla="*/ 5968 h 11047"/>
+              <a:gd name="T48" fmla="*/ 6592 w 8908"/>
+              <a:gd name="T49" fmla="*/ 3919 h 11047"/>
+              <a:gd name="T50" fmla="*/ 1960 w 8908"/>
+              <a:gd name="T51" fmla="*/ 4276 h 11047"/>
+              <a:gd name="T52" fmla="*/ 6592 w 8908"/>
+              <a:gd name="T53" fmla="*/ 4632 h 11047"/>
+              <a:gd name="T54" fmla="*/ 6592 w 8908"/>
+              <a:gd name="T55" fmla="*/ 3919 h 11047"/>
+              <a:gd name="T56" fmla="*/ 2316 w 8908"/>
+              <a:gd name="T57" fmla="*/ 2138 h 11047"/>
+              <a:gd name="T58" fmla="*/ 2316 w 8908"/>
+              <a:gd name="T59" fmla="*/ 2850 h 11047"/>
+              <a:gd name="T60" fmla="*/ 6948 w 8908"/>
+              <a:gd name="T61" fmla="*/ 2494 h 11047"/>
+              <a:gd name="T62" fmla="*/ 6592 w 8908"/>
+              <a:gd name="T63" fmla="*/ 2138 h 11047"/>
+            </a:gdLst>
+            <a:ahLst/>
+            <a:cxnLst>
+              <a:cxn ang="0">
+                <a:pos x="T0" y="T1"/>
+              </a:cxn>
+              <a:cxn ang="0">
+                <a:pos x="T2" y="T3"/>
+              </a:cxn>
+              <a:cxn ang="0">
+                <a:pos x="T4" y="T5"/>
+              </a:cxn>
+              <a:cxn ang="0">
+                <a:pos x="T6" y="T7"/>
+              </a:cxn>
+              <a:cxn ang="0">
+                <a:pos x="T8" y="T9"/>
+              </a:cxn>
+              <a:cxn ang="0">
+                <a:pos x="T10" y="T11"/>
+              </a:cxn>
+              <a:cxn ang="0">
+                <a:pos x="T12" y="T13"/>
+              </a:cxn>
+              <a:cxn ang="0">
+                <a:pos x="T14" y="T15"/>
+              </a:cxn>
+              <a:cxn ang="0">
+                <a:pos x="T16" y="T17"/>
+              </a:cxn>
+              <a:cxn ang="0">
+                <a:pos x="T18" y="T19"/>
+              </a:cxn>
+              <a:cxn ang="0">
+                <a:pos x="T20" y="T21"/>
+              </a:cxn>
+              <a:cxn ang="0">
+                <a:pos x="T22" y="T23"/>
+              </a:cxn>
+              <a:cxn ang="0">
+                <a:pos x="T24" y="T25"/>
+              </a:cxn>
+              <a:cxn ang="0">
+                <a:pos x="T26" y="T27"/>
+              </a:cxn>
+              <a:cxn ang="0">
+                <a:pos x="T28" y="T29"/>
+              </a:cxn>
+              <a:cxn ang="0">
+                <a:pos x="T30" y="T31"/>
+              </a:cxn>
+              <a:cxn ang="0">
+                <a:pos x="T32" y="T33"/>
+              </a:cxn>
+              <a:cxn ang="0">
+                <a:pos x="T34" y="T35"/>
+              </a:cxn>
+              <a:cxn ang="0">
+                <a:pos x="T36" y="T37"/>
+              </a:cxn>
+              <a:cxn ang="0">
+                <a:pos x="T38" y="T39"/>
+              </a:cxn>
+              <a:cxn ang="0">
+                <a:pos x="T40" y="T41"/>
+              </a:cxn>
+              <a:cxn ang="0">
+                <a:pos x="T42" y="T43"/>
+              </a:cxn>
+              <a:cxn ang="0">
+                <a:pos x="T44" y="T45"/>
+              </a:cxn>
+              <a:cxn ang="0">
+                <a:pos x="T46" y="T47"/>
+              </a:cxn>
+              <a:cxn ang="0">
+                <a:pos x="T48" y="T49"/>
+              </a:cxn>
+              <a:cxn ang="0">
+                <a:pos x="T50" y="T51"/>
+              </a:cxn>
+              <a:cxn ang="0">
+                <a:pos x="T52" y="T53"/>
+              </a:cxn>
+              <a:cxn ang="0">
+                <a:pos x="T54" y="T55"/>
+              </a:cxn>
+              <a:cxn ang="0">
+                <a:pos x="T56" y="T57"/>
+              </a:cxn>
+              <a:cxn ang="0">
+                <a:pos x="T58" y="T59"/>
+              </a:cxn>
+              <a:cxn ang="0">
+                <a:pos x="T60" y="T61"/>
+              </a:cxn>
+              <a:cxn ang="0">
+                <a:pos x="T62" y="T63"/>
+              </a:cxn>
+            </a:cxnLst>
+            <a:rect l="0" t="0" r="r" b="b"/>
+            <a:pathLst>
+              <a:path w="8908" h="11047">
+                <a:moveTo>
+                  <a:pt x="7483" y="0"/>
+                </a:moveTo>
+                <a:lnTo>
+                  <a:pt x="1425" y="0"/>
+                </a:lnTo>
+                <a:cubicBezTo>
+                  <a:pt x="637" y="0"/>
+                  <a:pt x="0" y="637"/>
+                  <a:pt x="0" y="1425"/>
+                </a:cubicBezTo>
+                <a:lnTo>
+                  <a:pt x="0" y="9621"/>
+                </a:lnTo>
+                <a:cubicBezTo>
+                  <a:pt x="0" y="10408"/>
+                  <a:pt x="638" y="11047"/>
+                  <a:pt x="1425" y="11047"/>
+                </a:cubicBezTo>
+                <a:lnTo>
+                  <a:pt x="4989" y="11047"/>
+                </a:lnTo>
+                <a:lnTo>
+                  <a:pt x="5701" y="11047"/>
+                </a:lnTo>
+                <a:lnTo>
+                  <a:pt x="6058" y="11047"/>
+                </a:lnTo>
+                <a:lnTo>
+                  <a:pt x="6058" y="11033"/>
+                </a:lnTo>
+                <a:cubicBezTo>
+                  <a:pt x="7224" y="10899"/>
+                  <a:pt x="8763" y="9508"/>
+                  <a:pt x="8895" y="8196"/>
+                </a:cubicBezTo>
+                <a:lnTo>
+                  <a:pt x="8908" y="8196"/>
+                </a:lnTo>
+                <a:lnTo>
+                  <a:pt x="8908" y="1425"/>
+                </a:lnTo>
+                <a:cubicBezTo>
+                  <a:pt x="8908" y="637"/>
+                  <a:pt x="8270" y="0"/>
+                  <a:pt x="7483" y="0"/>
+                </a:cubicBezTo>
+                <a:close/>
+                <a:moveTo>
+                  <a:pt x="5879" y="10334"/>
+                </a:moveTo>
+                <a:lnTo>
+                  <a:pt x="5701" y="10334"/>
+                </a:lnTo>
+                <a:lnTo>
+                  <a:pt x="5701" y="8908"/>
+                </a:lnTo>
+                <a:lnTo>
+                  <a:pt x="5701" y="8552"/>
+                </a:lnTo>
+                <a:cubicBezTo>
+                  <a:pt x="5701" y="8356"/>
+                  <a:pt x="5861" y="8196"/>
+                  <a:pt x="6058" y="8196"/>
+                </a:cubicBezTo>
+                <a:lnTo>
+                  <a:pt x="6414" y="8196"/>
+                </a:lnTo>
+                <a:lnTo>
+                  <a:pt x="8177" y="8196"/>
+                </a:lnTo>
+                <a:cubicBezTo>
+                  <a:pt x="8008" y="9079"/>
+                  <a:pt x="6682" y="10334"/>
+                  <a:pt x="5879" y="10334"/>
+                </a:cubicBezTo>
+                <a:close/>
+                <a:moveTo>
+                  <a:pt x="8196" y="7483"/>
+                </a:moveTo>
+                <a:lnTo>
+                  <a:pt x="5523" y="7483"/>
+                </a:lnTo>
+                <a:lnTo>
+                  <a:pt x="5523" y="7508"/>
+                </a:lnTo>
+                <a:cubicBezTo>
+                  <a:pt x="5273" y="7573"/>
+                  <a:pt x="5079" y="7767"/>
+                  <a:pt x="5014" y="8018"/>
+                </a:cubicBezTo>
+                <a:lnTo>
+                  <a:pt x="4989" y="8018"/>
+                </a:lnTo>
+                <a:lnTo>
+                  <a:pt x="4989" y="8196"/>
+                </a:lnTo>
+                <a:lnTo>
+                  <a:pt x="4989" y="10334"/>
+                </a:lnTo>
+                <a:lnTo>
+                  <a:pt x="1425" y="10334"/>
+                </a:lnTo>
+                <a:cubicBezTo>
+                  <a:pt x="1031" y="10334"/>
+                  <a:pt x="712" y="10015"/>
+                  <a:pt x="712" y="9621"/>
+                </a:cubicBezTo>
+                <a:lnTo>
+                  <a:pt x="712" y="1425"/>
+                </a:lnTo>
+                <a:cubicBezTo>
+                  <a:pt x="712" y="1031"/>
+                  <a:pt x="1031" y="712"/>
+                  <a:pt x="1425" y="712"/>
+                </a:cubicBezTo>
+                <a:lnTo>
+                  <a:pt x="7483" y="712"/>
+                </a:lnTo>
+                <a:cubicBezTo>
+                  <a:pt x="7877" y="712"/>
+                  <a:pt x="8196" y="1031"/>
+                  <a:pt x="8196" y="1425"/>
+                </a:cubicBezTo>
+                <a:lnTo>
+                  <a:pt x="8196" y="7483"/>
+                </a:lnTo>
+                <a:close/>
+                <a:moveTo>
+                  <a:pt x="3652" y="5701"/>
+                </a:moveTo>
+                <a:lnTo>
+                  <a:pt x="2227" y="5701"/>
+                </a:lnTo>
+                <a:cubicBezTo>
+                  <a:pt x="2079" y="5701"/>
+                  <a:pt x="1960" y="5821"/>
+                  <a:pt x="1960" y="5968"/>
+                </a:cubicBezTo>
+                <a:cubicBezTo>
+                  <a:pt x="1960" y="6116"/>
+                  <a:pt x="2079" y="6236"/>
+                  <a:pt x="2227" y="6236"/>
+                </a:cubicBezTo>
+                <a:lnTo>
+                  <a:pt x="3652" y="6236"/>
+                </a:lnTo>
+                <a:cubicBezTo>
+                  <a:pt x="3800" y="6236"/>
+                  <a:pt x="3919" y="6116"/>
+                  <a:pt x="3919" y="5968"/>
+                </a:cubicBezTo>
+                <a:cubicBezTo>
+                  <a:pt x="3919" y="5820"/>
+                  <a:pt x="3800" y="5701"/>
+                  <a:pt x="3652" y="5701"/>
+                </a:cubicBezTo>
+                <a:close/>
+                <a:moveTo>
+                  <a:pt x="4721" y="5701"/>
+                </a:moveTo>
+                <a:lnTo>
+                  <a:pt x="4543" y="5701"/>
+                </a:lnTo>
+                <a:cubicBezTo>
+                  <a:pt x="4396" y="5701"/>
+                  <a:pt x="4276" y="5821"/>
+                  <a:pt x="4276" y="5968"/>
+                </a:cubicBezTo>
+                <a:cubicBezTo>
+                  <a:pt x="4276" y="6116"/>
+                  <a:pt x="4396" y="6236"/>
+                  <a:pt x="4543" y="6236"/>
+                </a:cubicBezTo>
+                <a:lnTo>
+                  <a:pt x="4721" y="6236"/>
+                </a:lnTo>
+                <a:cubicBezTo>
+                  <a:pt x="4869" y="6236"/>
+                  <a:pt x="4989" y="6116"/>
+                  <a:pt x="4989" y="5968"/>
+                </a:cubicBezTo>
+                <a:cubicBezTo>
+                  <a:pt x="4989" y="5820"/>
+                  <a:pt x="4869" y="5701"/>
+                  <a:pt x="4721" y="5701"/>
+                </a:cubicBezTo>
+                <a:close/>
+                <a:moveTo>
+                  <a:pt x="6592" y="3919"/>
+                </a:moveTo>
+                <a:lnTo>
+                  <a:pt x="2316" y="3919"/>
+                </a:lnTo>
+                <a:cubicBezTo>
+                  <a:pt x="2119" y="3919"/>
+                  <a:pt x="1960" y="4079"/>
+                  <a:pt x="1960" y="4276"/>
+                </a:cubicBezTo>
+                <a:cubicBezTo>
+                  <a:pt x="1960" y="4472"/>
+                  <a:pt x="2119" y="4632"/>
+                  <a:pt x="2316" y="4632"/>
+                </a:cubicBezTo>
+                <a:lnTo>
+                  <a:pt x="6592" y="4632"/>
+                </a:lnTo>
+                <a:cubicBezTo>
+                  <a:pt x="6789" y="4632"/>
+                  <a:pt x="6948" y="4472"/>
+                  <a:pt x="6948" y="4276"/>
+                </a:cubicBezTo>
+                <a:cubicBezTo>
+                  <a:pt x="6948" y="4078"/>
+                  <a:pt x="6789" y="3919"/>
+                  <a:pt x="6592" y="3919"/>
+                </a:cubicBezTo>
+                <a:close/>
+                <a:moveTo>
+                  <a:pt x="6592" y="2138"/>
+                </a:moveTo>
+                <a:lnTo>
+                  <a:pt x="2316" y="2138"/>
+                </a:lnTo>
+                <a:cubicBezTo>
+                  <a:pt x="2119" y="2138"/>
+                  <a:pt x="1960" y="2298"/>
+                  <a:pt x="1960" y="2494"/>
+                </a:cubicBezTo>
+                <a:cubicBezTo>
+                  <a:pt x="1960" y="2690"/>
+                  <a:pt x="2119" y="2850"/>
+                  <a:pt x="2316" y="2850"/>
+                </a:cubicBezTo>
+                <a:lnTo>
+                  <a:pt x="6592" y="2850"/>
+                </a:lnTo>
+                <a:cubicBezTo>
+                  <a:pt x="6789" y="2850"/>
+                  <a:pt x="6948" y="2690"/>
+                  <a:pt x="6948" y="2494"/>
+                </a:cubicBezTo>
+                <a:cubicBezTo>
+                  <a:pt x="6948" y="2298"/>
+                  <a:pt x="6789" y="2138"/>
+                  <a:pt x="6592" y="2138"/>
+                </a:cubicBezTo>
+                <a:close/>
+                <a:moveTo>
+                  <a:pt x="6592" y="2138"/>
+                </a:moveTo>
+                <a:close/>
+              </a:path>
+            </a:pathLst>
+          </a:custGeom>
+          <a:solidFill>
+            <a:schemeClr val="accent1"/>
+          </a:solidFill>
+          <a:ln>
+            <a:noFill/>
+          </a:ln>
+        </p:spPr>
+        <p:style>
+          <a:lnRef idx="2">
+            <a:schemeClr val="accent1">
+              <a:shade val="50000"/>
+            </a:schemeClr>
+          </a:lnRef>
+          <a:fillRef idx="1">
+            <a:schemeClr val="accent1"/>
+          </a:fillRef>
+          <a:effectRef idx="0">
+            <a:schemeClr val="accent1"/>
+          </a:effectRef>
+          <a:fontRef idx="minor">
+            <a:schemeClr val="lt1"/>
+          </a:fontRef>
+        </p:style>
+        <p:txBody>
+          <a:bodyPr rtlCol="0" anchor="ctr"/>
+          <a:lstStyle/>
+          <a:p>
+            <a:pPr algn="ctr"/>
+            <a:endParaRPr lang="en-US"/>
+          </a:p>
+        </p:txBody>
+      </p:sp>
+      <p:sp>
+        <p:nvSpPr>
+          <p:cNvPr id="7" name="文本框 6">
+            <a:extLst>
+              <a:ext uri="{FF2B5EF4-FFF2-40B4-BE49-F238E27FC236}">
+                <a16:creationId xmlns:a16="http://schemas.microsoft.com/office/drawing/2014/main" id="{13F3D00E-7D2C-61C8-FED6-EF48776336DB}"/>
+              </a:ext>
+            </a:extLst>
+          </p:cNvPr>
+          <p:cNvSpPr txBox="1"/>
+          <p:nvPr/>
+        </p:nvSpPr>
+        <p:spPr>
+          <a:xfrm>
+            <a:off x="7572202" y="4038684"/>
+            <a:ext cx="809837" cy="369332"/>
+          </a:xfrm>
+          <a:prstGeom prst="rect">
+            <a:avLst/>
+          </a:prstGeom>
+          <a:noFill/>
+        </p:spPr>
+        <p:txBody>
+          <a:bodyPr wrap="none" rtlCol="0">
+            <a:spAutoFit/>
+          </a:bodyPr>
+          <a:lstStyle/>
+          <a:p>
+            <a:r>
+              <a:rPr lang="en-US" altLang="zh-CN" dirty="0"/>
+              <a:t>Article</a:t>
+            </a:r>
+            <a:endParaRPr lang="zh-CN" altLang="en-US" dirty="0"/>
+          </a:p>
+        </p:txBody>
+      </p:sp>
+      <p:sp>
+        <p:nvSpPr>
+          <p:cNvPr id="10" name="立方体 9">
+            <a:extLst>
+              <a:ext uri="{FF2B5EF4-FFF2-40B4-BE49-F238E27FC236}">
+                <a16:creationId xmlns:a16="http://schemas.microsoft.com/office/drawing/2014/main" id="{937ECB89-35B9-C5E8-F186-2C9C5861CF60}"/>
+              </a:ext>
+            </a:extLst>
+          </p:cNvPr>
+          <p:cNvSpPr/>
+          <p:nvPr/>
+        </p:nvSpPr>
+        <p:spPr>
+          <a:xfrm>
+            <a:off x="4804431" y="3464788"/>
+            <a:ext cx="494523" cy="494523"/>
+          </a:xfrm>
+          <a:prstGeom prst="cube">
+            <a:avLst/>
+          </a:prstGeom>
+        </p:spPr>
+        <p:style>
+          <a:lnRef idx="2">
+            <a:schemeClr val="accent5">
+              <a:shade val="15000"/>
+            </a:schemeClr>
+          </a:lnRef>
+          <a:fillRef idx="1">
+            <a:schemeClr val="accent5"/>
+          </a:fillRef>
+          <a:effectRef idx="0">
+            <a:schemeClr val="accent5"/>
+          </a:effectRef>
+          <a:fontRef idx="minor">
+            <a:schemeClr val="lt1"/>
+          </a:fontRef>
+        </p:style>
+        <p:txBody>
+          <a:bodyPr rtlCol="0" anchor="ctr"/>
+          <a:lstStyle/>
+          <a:p>
+            <a:pPr algn="ctr"/>
+            <a:endParaRPr lang="zh-CN" altLang="en-US" dirty="0"/>
+          </a:p>
+        </p:txBody>
+      </p:sp>
+      <p:sp>
+        <p:nvSpPr>
+          <p:cNvPr id="12" name="标注: 左箭头 11">
+            <a:extLst>
+              <a:ext uri="{FF2B5EF4-FFF2-40B4-BE49-F238E27FC236}">
+                <a16:creationId xmlns:a16="http://schemas.microsoft.com/office/drawing/2014/main" id="{50282A55-8763-4D0F-07E3-E42AF49CBA5F}"/>
+              </a:ext>
+            </a:extLst>
+          </p:cNvPr>
+          <p:cNvSpPr/>
+          <p:nvPr/>
+        </p:nvSpPr>
+        <p:spPr>
+          <a:xfrm>
+            <a:off x="3664571" y="867746"/>
+            <a:ext cx="2103102" cy="3321699"/>
+          </a:xfrm>
+          <a:prstGeom prst="leftArrowCallout">
+            <a:avLst>
+              <a:gd name="adj1" fmla="val 9028"/>
+              <a:gd name="adj2" fmla="val 10803"/>
+              <a:gd name="adj3" fmla="val 12577"/>
+              <a:gd name="adj4" fmla="val 64977"/>
+            </a:avLst>
+          </a:prstGeom>
+          <a:noFill/>
+          <a:ln w="38100"/>
+        </p:spPr>
+        <p:style>
+          <a:lnRef idx="2">
+            <a:schemeClr val="accent1">
+              <a:shade val="15000"/>
+            </a:schemeClr>
+          </a:lnRef>
+          <a:fillRef idx="1">
+            <a:schemeClr val="accent1"/>
+          </a:fillRef>
+          <a:effectRef idx="0">
+            <a:schemeClr val="accent1"/>
+          </a:effectRef>
+          <a:fontRef idx="minor">
+            <a:schemeClr val="lt1"/>
+          </a:fontRef>
+        </p:style>
+        <p:txBody>
+          <a:bodyPr rtlCol="0" anchor="ctr"/>
+          <a:lstStyle/>
+          <a:p>
+            <a:pPr algn="ctr"/>
+            <a:endParaRPr lang="zh-CN" altLang="en-US" dirty="0"/>
+          </a:p>
+        </p:txBody>
+      </p:sp>
+      <p:pic>
+        <p:nvPicPr>
+          <p:cNvPr id="1032" name="Picture 8" descr="Smart contract Generic Detailed Outline icon">
+            <a:extLst>
+              <a:ext uri="{FF2B5EF4-FFF2-40B4-BE49-F238E27FC236}">
+                <a16:creationId xmlns:a16="http://schemas.microsoft.com/office/drawing/2014/main" id="{8E707601-9BC9-B946-7E9E-BA3FF7A54083}"/>
+              </a:ext>
+            </a:extLst>
+          </p:cNvPr>
+          <p:cNvPicPr>
+            <a:picLocks noChangeAspect="1" noChangeArrowheads="1"/>
+          </p:cNvPicPr>
+          <p:nvPr/>
+        </p:nvPicPr>
+        <p:blipFill>
+          <a:blip r:embed="rId3">
+            <a:extLst>
+              <a:ext uri="{28A0092B-C50C-407E-A947-70E740481C1C}">
+                <a14:useLocalDpi xmlns:a14="http://schemas.microsoft.com/office/drawing/2010/main" val="0"/>
+              </a:ext>
+            </a:extLst>
+          </a:blip>
+          <a:srcRect/>
+          <a:stretch>
+            <a:fillRect/>
+          </a:stretch>
+        </p:blipFill>
+        <p:spPr bwMode="auto">
+          <a:xfrm>
+            <a:off x="6323619" y="2215772"/>
+            <a:ext cx="809837" cy="809837"/>
+          </a:xfrm>
+          <a:prstGeom prst="rect">
+            <a:avLst/>
+          </a:prstGeom>
+          <a:noFill/>
+          <a:extLst>
+            <a:ext uri="{909E8E84-426E-40DD-AFC4-6F175D3DCCD1}">
+              <a14:hiddenFill xmlns:a14="http://schemas.microsoft.com/office/drawing/2010/main">
+                <a:solidFill>
+                  <a:srgbClr val="FFFFFF"/>
+                </a:solidFill>
+              </a14:hiddenFill>
+            </a:ext>
+          </a:extLst>
+        </p:spPr>
+      </p:pic>
+      <p:cxnSp>
+        <p:nvCxnSpPr>
+          <p:cNvPr id="14" name="直接箭头连接符 13">
+            <a:extLst>
+              <a:ext uri="{FF2B5EF4-FFF2-40B4-BE49-F238E27FC236}">
+                <a16:creationId xmlns:a16="http://schemas.microsoft.com/office/drawing/2014/main" id="{E3B1B06F-95D1-C413-F73D-0D3D31962B87}"/>
+              </a:ext>
+            </a:extLst>
+          </p:cNvPr>
+          <p:cNvCxnSpPr/>
+          <p:nvPr/>
+        </p:nvCxnSpPr>
+        <p:spPr>
+          <a:xfrm flipH="1" flipV="1">
+            <a:off x="7133456" y="3025609"/>
+            <a:ext cx="438746" cy="501362"/>
+          </a:xfrm>
+          <a:prstGeom prst="straightConnector1">
+            <a:avLst/>
+          </a:prstGeom>
+          <a:ln w="38100">
+            <a:prstDash val="sysDot"/>
+            <a:tailEnd type="triangle"/>
+          </a:ln>
+        </p:spPr>
+        <p:style>
+          <a:lnRef idx="1">
+            <a:schemeClr val="dk1"/>
+          </a:lnRef>
+          <a:fillRef idx="0">
+            <a:schemeClr val="dk1"/>
+          </a:fillRef>
+          <a:effectRef idx="0">
+            <a:schemeClr val="dk1"/>
+          </a:effectRef>
+          <a:fontRef idx="minor">
+            <a:schemeClr val="tx1"/>
+          </a:fontRef>
+        </p:style>
+      </p:cxnSp>
+      <p:cxnSp>
+        <p:nvCxnSpPr>
+          <p:cNvPr id="15" name="直接箭头连接符 14">
+            <a:extLst>
+              <a:ext uri="{FF2B5EF4-FFF2-40B4-BE49-F238E27FC236}">
+                <a16:creationId xmlns:a16="http://schemas.microsoft.com/office/drawing/2014/main" id="{C73E34D1-8565-52B8-1940-3B64159ABF7D}"/>
+              </a:ext>
+            </a:extLst>
+          </p:cNvPr>
+          <p:cNvCxnSpPr>
+            <a:cxnSpLocks/>
+          </p:cNvCxnSpPr>
+          <p:nvPr/>
+        </p:nvCxnSpPr>
+        <p:spPr>
+          <a:xfrm flipH="1" flipV="1">
+            <a:off x="5343713" y="2748441"/>
+            <a:ext cx="843664" cy="3419"/>
+          </a:xfrm>
+          <a:prstGeom prst="straightConnector1">
+            <a:avLst/>
+          </a:prstGeom>
+          <a:ln w="38100">
+            <a:prstDash val="sysDot"/>
+            <a:tailEnd type="triangle"/>
+          </a:ln>
+        </p:spPr>
+        <p:style>
+          <a:lnRef idx="1">
+            <a:schemeClr val="dk1"/>
+          </a:lnRef>
+          <a:fillRef idx="0">
+            <a:schemeClr val="dk1"/>
+          </a:fillRef>
+          <a:effectRef idx="0">
+            <a:schemeClr val="dk1"/>
+          </a:effectRef>
+          <a:fontRef idx="minor">
+            <a:schemeClr val="tx1"/>
+          </a:fontRef>
+        </p:style>
+      </p:cxnSp>
+      <p:sp>
+        <p:nvSpPr>
+          <p:cNvPr id="17" name="文本框 16">
+            <a:extLst>
+              <a:ext uri="{FF2B5EF4-FFF2-40B4-BE49-F238E27FC236}">
+                <a16:creationId xmlns:a16="http://schemas.microsoft.com/office/drawing/2014/main" id="{11006999-BAEC-23C8-06FD-5413DCD27E2C}"/>
+              </a:ext>
+            </a:extLst>
+          </p:cNvPr>
+          <p:cNvSpPr txBox="1"/>
+          <p:nvPr/>
+        </p:nvSpPr>
+        <p:spPr>
+          <a:xfrm>
+            <a:off x="6130403" y="2904903"/>
+            <a:ext cx="1032655" cy="646331"/>
+          </a:xfrm>
+          <a:prstGeom prst="rect">
+            <a:avLst/>
+          </a:prstGeom>
+          <a:noFill/>
+        </p:spPr>
+        <p:txBody>
+          <a:bodyPr wrap="none" rtlCol="0">
+            <a:spAutoFit/>
+          </a:bodyPr>
+          <a:lstStyle/>
+          <a:p>
+            <a:pPr algn="ctr"/>
+            <a:r>
+              <a:rPr lang="en-US" altLang="zh-CN" dirty="0"/>
+              <a:t>Smart</a:t>
+            </a:r>
+          </a:p>
+          <a:p>
+            <a:r>
+              <a:rPr lang="en-US" altLang="zh-CN" dirty="0"/>
+              <a:t>Contract</a:t>
+            </a:r>
+            <a:endParaRPr lang="zh-CN" altLang="en-US" dirty="0"/>
+          </a:p>
+        </p:txBody>
+      </p:sp>
+      <p:pic>
+        <p:nvPicPr>
+          <p:cNvPr id="1036" name="Picture 12" descr="链接- 下载免费图标">
+            <a:extLst>
+              <a:ext uri="{FF2B5EF4-FFF2-40B4-BE49-F238E27FC236}">
+                <a16:creationId xmlns:a16="http://schemas.microsoft.com/office/drawing/2014/main" id="{A5945D08-6862-3D20-B9DA-C79BBA381CCC}"/>
+              </a:ext>
+            </a:extLst>
+          </p:cNvPr>
+          <p:cNvPicPr>
+            <a:picLocks noChangeAspect="1" noChangeArrowheads="1"/>
+          </p:cNvPicPr>
+          <p:nvPr/>
+        </p:nvPicPr>
+        <p:blipFill>
+          <a:blip r:embed="rId4">
+            <a:extLst>
+              <a:ext uri="{28A0092B-C50C-407E-A947-70E740481C1C}">
+                <a14:useLocalDpi xmlns:a14="http://schemas.microsoft.com/office/drawing/2010/main" val="0"/>
+              </a:ext>
+            </a:extLst>
+          </a:blip>
+          <a:srcRect/>
+          <a:stretch>
+            <a:fillRect/>
+          </a:stretch>
+        </p:blipFill>
+        <p:spPr bwMode="auto">
+          <a:xfrm rot="18971362">
+            <a:off x="4624873" y="2837956"/>
+            <a:ext cx="853638" cy="853638"/>
+          </a:xfrm>
+          <a:prstGeom prst="rect">
+            <a:avLst/>
+          </a:prstGeom>
+          <a:noFill/>
+          <a:extLst>
+            <a:ext uri="{909E8E84-426E-40DD-AFC4-6F175D3DCCD1}">
+              <a14:hiddenFill xmlns:a14="http://schemas.microsoft.com/office/drawing/2010/main">
+                <a:solidFill>
+                  <a:srgbClr val="FFFFFF"/>
+                </a:solidFill>
+              </a14:hiddenFill>
+            </a:ext>
+          </a:extLst>
+        </p:spPr>
+      </p:pic>
+      <p:sp>
+        <p:nvSpPr>
+          <p:cNvPr id="9" name="立方体 8">
+            <a:extLst>
+              <a:ext uri="{FF2B5EF4-FFF2-40B4-BE49-F238E27FC236}">
+                <a16:creationId xmlns:a16="http://schemas.microsoft.com/office/drawing/2014/main" id="{9AB11258-72F6-B63C-88EB-EC3534293E37}"/>
+              </a:ext>
+            </a:extLst>
+          </p:cNvPr>
+          <p:cNvSpPr/>
+          <p:nvPr/>
+        </p:nvSpPr>
+        <p:spPr>
+          <a:xfrm>
+            <a:off x="4804431" y="2509609"/>
+            <a:ext cx="494523" cy="494523"/>
+          </a:xfrm>
+          <a:prstGeom prst="cube">
+            <a:avLst/>
+          </a:prstGeom>
+        </p:spPr>
+        <p:style>
+          <a:lnRef idx="2">
+            <a:schemeClr val="accent5">
+              <a:shade val="15000"/>
+            </a:schemeClr>
+          </a:lnRef>
+          <a:fillRef idx="1">
+            <a:schemeClr val="accent5"/>
+          </a:fillRef>
+          <a:effectRef idx="0">
+            <a:schemeClr val="accent5"/>
+          </a:effectRef>
+          <a:fontRef idx="minor">
+            <a:schemeClr val="lt1"/>
+          </a:fontRef>
+        </p:style>
+        <p:txBody>
+          <a:bodyPr rtlCol="0" anchor="ctr"/>
+          <a:lstStyle/>
+          <a:p>
+            <a:pPr algn="ctr"/>
+            <a:endParaRPr lang="zh-CN" altLang="en-US" dirty="0"/>
+          </a:p>
+        </p:txBody>
+      </p:sp>
+      <p:pic>
+        <p:nvPicPr>
+          <p:cNvPr id="18" name="Picture 12" descr="链接- 下载免费图标">
+            <a:extLst>
+              <a:ext uri="{FF2B5EF4-FFF2-40B4-BE49-F238E27FC236}">
+                <a16:creationId xmlns:a16="http://schemas.microsoft.com/office/drawing/2014/main" id="{6AEFBE62-CDDA-4DCC-F0FD-333D2AA88ECB}"/>
+              </a:ext>
+            </a:extLst>
+          </p:cNvPr>
+          <p:cNvPicPr>
+            <a:picLocks noChangeAspect="1" noChangeArrowheads="1"/>
+          </p:cNvPicPr>
+          <p:nvPr/>
+        </p:nvPicPr>
+        <p:blipFill>
+          <a:blip r:embed="rId4">
+            <a:extLst>
+              <a:ext uri="{28A0092B-C50C-407E-A947-70E740481C1C}">
+                <a14:useLocalDpi xmlns:a14="http://schemas.microsoft.com/office/drawing/2010/main" val="0"/>
+              </a:ext>
+            </a:extLst>
+          </a:blip>
+          <a:srcRect/>
+          <a:stretch>
+            <a:fillRect/>
+          </a:stretch>
+        </p:blipFill>
+        <p:spPr bwMode="auto">
+          <a:xfrm rot="18971362">
+            <a:off x="4624873" y="1874600"/>
+            <a:ext cx="853638" cy="853638"/>
+          </a:xfrm>
+          <a:prstGeom prst="rect">
+            <a:avLst/>
+          </a:prstGeom>
+          <a:noFill/>
+          <a:extLst>
+            <a:ext uri="{909E8E84-426E-40DD-AFC4-6F175D3DCCD1}">
+              <a14:hiddenFill xmlns:a14="http://schemas.microsoft.com/office/drawing/2010/main">
+                <a:solidFill>
+                  <a:srgbClr val="FFFFFF"/>
+                </a:solidFill>
+              </a14:hiddenFill>
+            </a:ext>
+          </a:extLst>
+        </p:spPr>
+      </p:pic>
+      <p:sp>
+        <p:nvSpPr>
+          <p:cNvPr id="8" name="立方体 7">
+            <a:extLst>
+              <a:ext uri="{FF2B5EF4-FFF2-40B4-BE49-F238E27FC236}">
+                <a16:creationId xmlns:a16="http://schemas.microsoft.com/office/drawing/2014/main" id="{5CB5A40F-D285-3A28-8ABC-50571929D088}"/>
+              </a:ext>
+            </a:extLst>
+          </p:cNvPr>
+          <p:cNvSpPr/>
+          <p:nvPr/>
+        </p:nvSpPr>
+        <p:spPr>
+          <a:xfrm>
+            <a:off x="4804431" y="1554430"/>
+            <a:ext cx="494523" cy="494523"/>
+          </a:xfrm>
+          <a:prstGeom prst="cube">
+            <a:avLst/>
+          </a:prstGeom>
+        </p:spPr>
+        <p:style>
+          <a:lnRef idx="2">
+            <a:schemeClr val="accent5">
+              <a:shade val="15000"/>
+            </a:schemeClr>
+          </a:lnRef>
+          <a:fillRef idx="1">
+            <a:schemeClr val="accent5"/>
+          </a:fillRef>
+          <a:effectRef idx="0">
+            <a:schemeClr val="accent5"/>
+          </a:effectRef>
+          <a:fontRef idx="minor">
+            <a:schemeClr val="lt1"/>
+          </a:fontRef>
+        </p:style>
+        <p:txBody>
+          <a:bodyPr rtlCol="0" anchor="ctr"/>
+          <a:lstStyle/>
+          <a:p>
+            <a:pPr algn="ctr"/>
+            <a:endParaRPr lang="zh-CN" altLang="en-US" dirty="0"/>
+          </a:p>
+        </p:txBody>
+      </p:sp>
+    </p:spTree>
+    <p:extLst>
+      <p:ext uri="{BB962C8B-B14F-4D97-AF65-F5344CB8AC3E}">
+        <p14:creationId xmlns:p14="http://schemas.microsoft.com/office/powerpoint/2010/main" val="2186746407"/>
       </p:ext>
     </p:extLst>
   </p:cSld>
